--- a/presentation_stage_2_inverted_amigos.pptx
+++ b/presentation_stage_2_inverted_amigos.pptx
@@ -380,7 +380,7 @@
             <a:fld id="{B6F15528-21DE-4FAA-801E-634DDDAF4B2B}" type="slidenum">
               <a:rPr lang="en-US" smtClean="0"/>
               <a:pPr/>
-              <a:t>‹Nº›</a:t>
+              <a:t>‹#›</a:t>
             </a:fld>
             <a:endParaRPr lang="en-US"/>
           </a:p>
@@ -545,7 +545,7 @@
             <a:fld id="{B6F15528-21DE-4FAA-801E-634DDDAF4B2B}" type="slidenum">
               <a:rPr lang="en-US" smtClean="0"/>
               <a:pPr/>
-              <a:t>‹Nº›</a:t>
+              <a:t>‹#›</a:t>
             </a:fld>
             <a:endParaRPr lang="en-US"/>
           </a:p>
@@ -720,7 +720,7 @@
             <a:fld id="{B6F15528-21DE-4FAA-801E-634DDDAF4B2B}" type="slidenum">
               <a:rPr lang="en-US" smtClean="0"/>
               <a:pPr/>
-              <a:t>‹Nº›</a:t>
+              <a:t>‹#›</a:t>
             </a:fld>
             <a:endParaRPr lang="en-US"/>
           </a:p>
@@ -885,7 +885,7 @@
             <a:fld id="{B6F15528-21DE-4FAA-801E-634DDDAF4B2B}" type="slidenum">
               <a:rPr lang="en-US" smtClean="0"/>
               <a:pPr/>
-              <a:t>‹Nº›</a:t>
+              <a:t>‹#›</a:t>
             </a:fld>
             <a:endParaRPr lang="en-US"/>
           </a:p>
@@ -1127,7 +1127,7 @@
             <a:fld id="{B6F15528-21DE-4FAA-801E-634DDDAF4B2B}" type="slidenum">
               <a:rPr lang="en-US" smtClean="0"/>
               <a:pPr/>
-              <a:t>‹Nº›</a:t>
+              <a:t>‹#›</a:t>
             </a:fld>
             <a:endParaRPr lang="en-US"/>
           </a:p>
@@ -1409,7 +1409,7 @@
             <a:fld id="{B6F15528-21DE-4FAA-801E-634DDDAF4B2B}" type="slidenum">
               <a:rPr lang="en-US" smtClean="0"/>
               <a:pPr/>
-              <a:t>‹Nº›</a:t>
+              <a:t>‹#›</a:t>
             </a:fld>
             <a:endParaRPr lang="en-US"/>
           </a:p>
@@ -1825,7 +1825,7 @@
             <a:fld id="{B6F15528-21DE-4FAA-801E-634DDDAF4B2B}" type="slidenum">
               <a:rPr lang="en-US" smtClean="0"/>
               <a:pPr/>
-              <a:t>‹Nº›</a:t>
+              <a:t>‹#›</a:t>
             </a:fld>
             <a:endParaRPr lang="en-US"/>
           </a:p>
@@ -1939,7 +1939,7 @@
             <a:fld id="{B6F15528-21DE-4FAA-801E-634DDDAF4B2B}" type="slidenum">
               <a:rPr lang="en-US" smtClean="0"/>
               <a:pPr/>
-              <a:t>‹Nº›</a:t>
+              <a:t>‹#›</a:t>
             </a:fld>
             <a:endParaRPr lang="en-US"/>
           </a:p>
@@ -2031,7 +2031,7 @@
             <a:fld id="{B6F15528-21DE-4FAA-801E-634DDDAF4B2B}" type="slidenum">
               <a:rPr lang="en-US" smtClean="0"/>
               <a:pPr/>
-              <a:t>‹Nº›</a:t>
+              <a:t>‹#›</a:t>
             </a:fld>
             <a:endParaRPr lang="en-US"/>
           </a:p>
@@ -2303,7 +2303,7 @@
             <a:fld id="{B6F15528-21DE-4FAA-801E-634DDDAF4B2B}" type="slidenum">
               <a:rPr lang="en-US" smtClean="0"/>
               <a:pPr/>
-              <a:t>‹Nº›</a:t>
+              <a:t>‹#›</a:t>
             </a:fld>
             <a:endParaRPr lang="en-US"/>
           </a:p>
@@ -2552,7 +2552,7 @@
             <a:fld id="{B6F15528-21DE-4FAA-801E-634DDDAF4B2B}" type="slidenum">
               <a:rPr lang="en-US" smtClean="0"/>
               <a:pPr/>
-              <a:t>‹Nº›</a:t>
+              <a:t>‹#›</a:t>
             </a:fld>
             <a:endParaRPr lang="en-US"/>
           </a:p>
@@ -2796,7 +2796,7 @@
             <a:fld id="{B6F15528-21DE-4FAA-801E-634DDDAF4B2B}" type="slidenum">
               <a:rPr lang="en-US" smtClean="0"/>
               <a:pPr/>
-              <a:t>‹Nº›</a:t>
+              <a:t>‹#›</a:t>
             </a:fld>
             <a:endParaRPr lang="en-US"/>
           </a:p>
@@ -6815,14 +6815,14 @@
         <p:spPr>
           <a:xfrm>
             <a:off x="12917618" y="1753854"/>
-            <a:ext cx="3269677" cy="441325"/>
+            <a:ext cx="3269677" cy="421206"/>
           </a:xfrm>
           <a:prstGeom prst="rect">
             <a:avLst/>
           </a:prstGeom>
         </p:spPr>
         <p:txBody>
-          <a:bodyPr lIns="0" tIns="0" rIns="0" bIns="0" rtlCol="0" anchor="t">
+          <a:bodyPr wrap="square" lIns="0" tIns="0" rIns="0" bIns="0" rtlCol="0" anchor="t">
             <a:spAutoFit/>
           </a:bodyPr>
           <a:lstStyle/>
@@ -6859,14 +6859,14 @@
         <p:spPr>
           <a:xfrm>
             <a:off x="12917618" y="4660900"/>
-            <a:ext cx="4341682" cy="441325"/>
+            <a:ext cx="4341682" cy="421206"/>
           </a:xfrm>
           <a:prstGeom prst="rect">
             <a:avLst/>
           </a:prstGeom>
         </p:spPr>
         <p:txBody>
-          <a:bodyPr lIns="0" tIns="0" rIns="0" bIns="0" rtlCol="0" anchor="t">
+          <a:bodyPr wrap="square" lIns="0" tIns="0" rIns="0" bIns="0" rtlCol="0" anchor="t">
             <a:spAutoFit/>
           </a:bodyPr>
           <a:lstStyle/>
@@ -6921,7 +6921,7 @@
               </a:lnSpc>
             </a:pPr>
             <a:r>
-              <a:rPr lang="en-US" sz="1999">
+              <a:rPr lang="en-US" sz="1999" dirty="0">
                 <a:solidFill>
                   <a:srgbClr val="545454"/>
                 </a:solidFill>
@@ -6942,7 +6942,7 @@
                 <a:spcPct val="0"/>
               </a:spcBef>
             </a:pPr>
-            <a:endParaRPr lang="en-US" sz="1999">
+            <a:endParaRPr lang="en-US" sz="1999" dirty="0">
               <a:solidFill>
                 <a:srgbClr val="545454"/>
               </a:solidFill>
@@ -6970,7 +6970,7 @@
           </a:prstGeom>
         </p:spPr>
         <p:txBody>
-          <a:bodyPr lIns="0" tIns="0" rIns="0" bIns="0" rtlCol="0" anchor="t">
+          <a:bodyPr wrap="square" lIns="0" tIns="0" rIns="0" bIns="0" rtlCol="0" anchor="t">
             <a:spAutoFit/>
           </a:bodyPr>
           <a:lstStyle/>
@@ -6984,7 +6984,7 @@
               </a:spcBef>
             </a:pPr>
             <a:r>
-              <a:rPr lang="en-US" sz="2000">
+              <a:rPr lang="en-US" sz="2000" dirty="0">
                 <a:solidFill>
                   <a:srgbClr val="545454"/>
                 </a:solidFill>
@@ -7007,14 +7007,14 @@
         <p:spPr>
           <a:xfrm>
             <a:off x="12917618" y="7567946"/>
-            <a:ext cx="4341682" cy="441325"/>
+            <a:ext cx="4341682" cy="421206"/>
           </a:xfrm>
           <a:prstGeom prst="rect">
             <a:avLst/>
           </a:prstGeom>
         </p:spPr>
         <p:txBody>
-          <a:bodyPr lIns="0" tIns="0" rIns="0" bIns="0" rtlCol="0" anchor="t">
+          <a:bodyPr wrap="square" lIns="0" tIns="0" rIns="0" bIns="0" rtlCol="0" anchor="t">
             <a:spAutoFit/>
           </a:bodyPr>
           <a:lstStyle/>
@@ -7028,7 +7028,7 @@
               </a:spcBef>
             </a:pPr>
             <a:r>
-              <a:rPr lang="en-US" sz="2499">
+              <a:rPr lang="en-US" sz="2499" dirty="0">
                 <a:solidFill>
                   <a:srgbClr val="545454"/>
                 </a:solidFill>
@@ -7051,14 +7051,14 @@
         <p:spPr>
           <a:xfrm>
             <a:off x="12917618" y="8107697"/>
-            <a:ext cx="4341682" cy="1416050"/>
+            <a:ext cx="4341682" cy="1055161"/>
           </a:xfrm>
           <a:prstGeom prst="rect">
             <a:avLst/>
           </a:prstGeom>
         </p:spPr>
         <p:txBody>
-          <a:bodyPr lIns="0" tIns="0" rIns="0" bIns="0" rtlCol="0" anchor="t">
+          <a:bodyPr wrap="square" lIns="0" tIns="0" rIns="0" bIns="0" rtlCol="0" anchor="t">
             <a:spAutoFit/>
           </a:bodyPr>
           <a:lstStyle/>
@@ -7115,8 +7115,8 @@
         </p:blipFill>
         <p:spPr bwMode="auto">
           <a:xfrm>
-            <a:off x="534109" y="5102225"/>
-            <a:ext cx="6858000" cy="3238500"/>
+            <a:off x="1003300" y="3730305"/>
+            <a:ext cx="7001210" cy="3306127"/>
           </a:xfrm>
           <a:prstGeom prst="rect">
             <a:avLst/>
@@ -7133,6 +7133,142 @@
           </a:extLst>
         </p:spPr>
       </p:pic>
+      <p:pic>
+        <p:nvPicPr>
+          <p:cNvPr id="19" name="Graphic 18">
+            <a:extLst>
+              <a:ext uri="{FF2B5EF4-FFF2-40B4-BE49-F238E27FC236}">
+                <a16:creationId xmlns:a16="http://schemas.microsoft.com/office/drawing/2014/main" id="{0A1CD88E-D1B7-D618-C8B7-284138DCAF71}"/>
+              </a:ext>
+            </a:extLst>
+          </p:cNvPr>
+          <p:cNvPicPr>
+            <a:picLocks noChangeAspect="1"/>
+          </p:cNvPicPr>
+          <p:nvPr/>
+        </p:nvPicPr>
+        <p:blipFill>
+          <a:blip r:embed="rId6">
+            <a:extLst>
+              <a:ext uri="{96DAC541-7B7A-43D3-8B79-37D633B846F1}">
+                <asvg:svgBlip xmlns:asvg="http://schemas.microsoft.com/office/drawing/2016/SVG/main" r:embed="rId7"/>
+              </a:ext>
+            </a:extLst>
+          </a:blip>
+          <a:stretch>
+            <a:fillRect/>
+          </a:stretch>
+        </p:blipFill>
+        <p:spPr>
+          <a:xfrm>
+            <a:off x="764340" y="7740449"/>
+            <a:ext cx="4597236" cy="1179714"/>
+          </a:xfrm>
+          <a:prstGeom prst="rect">
+            <a:avLst/>
+          </a:prstGeom>
+        </p:spPr>
+      </p:pic>
+      <p:sp>
+        <p:nvSpPr>
+          <p:cNvPr id="21" name="TextBox 17">
+            <a:extLst>
+              <a:ext uri="{FF2B5EF4-FFF2-40B4-BE49-F238E27FC236}">
+                <a16:creationId xmlns:a16="http://schemas.microsoft.com/office/drawing/2014/main" id="{CE82BC14-E917-91BE-39F7-7AC5957DB31E}"/>
+              </a:ext>
+            </a:extLst>
+          </p:cNvPr>
+          <p:cNvSpPr txBox="1"/>
+          <p:nvPr/>
+        </p:nvSpPr>
+        <p:spPr>
+          <a:xfrm>
+            <a:off x="5717340" y="7529846"/>
+            <a:ext cx="2411756" cy="421206"/>
+          </a:xfrm>
+          <a:prstGeom prst="rect">
+            <a:avLst/>
+          </a:prstGeom>
+        </p:spPr>
+        <p:txBody>
+          <a:bodyPr wrap="square" lIns="0" tIns="0" rIns="0" bIns="0" rtlCol="0" anchor="t">
+            <a:spAutoFit/>
+          </a:bodyPr>
+          <a:lstStyle/>
+          <a:p>
+            <a:pPr marL="0" lvl="0" indent="0" algn="l">
+              <a:lnSpc>
+                <a:spcPts val="3499"/>
+              </a:lnSpc>
+              <a:spcBef>
+                <a:spcPct val="0"/>
+              </a:spcBef>
+            </a:pPr>
+            <a:r>
+              <a:rPr lang="en-US" sz="2499" dirty="0">
+                <a:solidFill>
+                  <a:srgbClr val="545454"/>
+                </a:solidFill>
+                <a:latin typeface="TAN Pearl"/>
+                <a:ea typeface="TAN Pearl"/>
+                <a:cs typeface="TAN Pearl"/>
+                <a:sym typeface="TAN Pearl"/>
+              </a:rPr>
+              <a:t>API</a:t>
+            </a:r>
+          </a:p>
+        </p:txBody>
+      </p:sp>
+      <p:sp>
+        <p:nvSpPr>
+          <p:cNvPr id="22" name="TextBox 18">
+            <a:extLst>
+              <a:ext uri="{FF2B5EF4-FFF2-40B4-BE49-F238E27FC236}">
+                <a16:creationId xmlns:a16="http://schemas.microsoft.com/office/drawing/2014/main" id="{D2F0D318-83E6-A4C7-714A-3FA7DF62FADF}"/>
+              </a:ext>
+            </a:extLst>
+          </p:cNvPr>
+          <p:cNvSpPr txBox="1"/>
+          <p:nvPr/>
+        </p:nvSpPr>
+        <p:spPr>
+          <a:xfrm>
+            <a:off x="5691940" y="8035637"/>
+            <a:ext cx="3110960" cy="1055161"/>
+          </a:xfrm>
+          <a:prstGeom prst="rect">
+            <a:avLst/>
+          </a:prstGeom>
+        </p:spPr>
+        <p:txBody>
+          <a:bodyPr wrap="square" lIns="0" tIns="0" rIns="0" bIns="0" rtlCol="0" anchor="t">
+            <a:spAutoFit/>
+          </a:bodyPr>
+          <a:lstStyle/>
+          <a:p>
+            <a:pPr marL="0" lvl="0" indent="0" algn="l">
+              <a:lnSpc>
+                <a:spcPts val="2800"/>
+              </a:lnSpc>
+              <a:spcBef>
+                <a:spcPct val="0"/>
+              </a:spcBef>
+            </a:pPr>
+            <a:r>
+              <a:rPr lang="en-US" sz="2000" dirty="0">
+                <a:solidFill>
+                  <a:srgbClr val="545454"/>
+                </a:solidFill>
+                <a:latin typeface="Klein"/>
+                <a:ea typeface="Klein"/>
+                <a:cs typeface="Klein"/>
+                <a:sym typeface="Klein"/>
+              </a:rPr>
+              <a:t>Allows to use the functionality of search engine using HTTP queries</a:t>
+            </a:r>
+          </a:p>
+        </p:txBody>
+      </p:sp>
     </p:spTree>
   </p:cSld>
   <p:clrMapOvr>
